--- a/w3d2-intro2asyn.pptx
+++ b/w3d2-intro2asyn.pptx
@@ -170,6 +170,60 @@
 
 <file path=ppt/changesInfos/changesInfo1.xml><?xml version="1.0" encoding="utf-8"?>
 <pc:chgInfo xmlns:a="http://schemas.openxmlformats.org/drawingml/2006/main" xmlns:r="http://schemas.openxmlformats.org/officeDocument/2006/relationships" xmlns:ac="http://schemas.microsoft.com/office/drawing/2013/main/command" xmlns:pc="http://schemas.microsoft.com/office/powerpoint/2013/main/command">
+  <pc:docChgLst>
+    <pc:chgData name="健 翁" userId="bedff36119963aae" providerId="LiveId" clId="{27ED6732-6F8F-5AFA-AF64-6D088C0F8B0A}"/>
+    <pc:docChg chg="modSld">
+      <pc:chgData name="健 翁" userId="bedff36119963aae" providerId="LiveId" clId="{27ED6732-6F8F-5AFA-AF64-6D088C0F8B0A}" dt="2025-09-11T07:35:43.059" v="2" actId="1036"/>
+      <pc:docMkLst>
+        <pc:docMk/>
+      </pc:docMkLst>
+      <pc:sldChg chg="modSp mod">
+        <pc:chgData name="健 翁" userId="bedff36119963aae" providerId="LiveId" clId="{27ED6732-6F8F-5AFA-AF64-6D088C0F8B0A}" dt="2025-09-03T07:12:15.879" v="0" actId="14100"/>
+        <pc:sldMkLst>
+          <pc:docMk/>
+          <pc:sldMk cId="2212940397" sldId="5128"/>
+        </pc:sldMkLst>
+        <pc:spChg chg="mod">
+          <ac:chgData name="健 翁" userId="bedff36119963aae" providerId="LiveId" clId="{27ED6732-6F8F-5AFA-AF64-6D088C0F8B0A}" dt="2025-09-03T07:12:15.879" v="0" actId="14100"/>
+          <ac:spMkLst>
+            <pc:docMk/>
+            <pc:sldMk cId="2212940397" sldId="5128"/>
+            <ac:spMk id="3" creationId="{1965A4F5-9ADB-050A-19BE-A4E917CEEF77}"/>
+          </ac:spMkLst>
+        </pc:spChg>
+      </pc:sldChg>
+      <pc:sldChg chg="modSp mod">
+        <pc:chgData name="健 翁" userId="bedff36119963aae" providerId="LiveId" clId="{27ED6732-6F8F-5AFA-AF64-6D088C0F8B0A}" dt="2025-09-11T07:29:16.569" v="1" actId="1076"/>
+        <pc:sldMkLst>
+          <pc:docMk/>
+          <pc:sldMk cId="2021351070" sldId="5178"/>
+        </pc:sldMkLst>
+        <pc:spChg chg="mod">
+          <ac:chgData name="健 翁" userId="bedff36119963aae" providerId="LiveId" clId="{27ED6732-6F8F-5AFA-AF64-6D088C0F8B0A}" dt="2025-09-11T07:29:16.569" v="1" actId="1076"/>
+          <ac:spMkLst>
+            <pc:docMk/>
+            <pc:sldMk cId="2021351070" sldId="5178"/>
+            <ac:spMk id="5" creationId="{E3BCBDA8-ADE7-D913-9DE0-7DC94CCAFBC0}"/>
+          </ac:spMkLst>
+        </pc:spChg>
+      </pc:sldChg>
+      <pc:sldChg chg="modSp mod">
+        <pc:chgData name="健 翁" userId="bedff36119963aae" providerId="LiveId" clId="{27ED6732-6F8F-5AFA-AF64-6D088C0F8B0A}" dt="2025-09-11T07:35:43.059" v="2" actId="1036"/>
+        <pc:sldMkLst>
+          <pc:docMk/>
+          <pc:sldMk cId="616705893" sldId="5185"/>
+        </pc:sldMkLst>
+        <pc:picChg chg="mod">
+          <ac:chgData name="健 翁" userId="bedff36119963aae" providerId="LiveId" clId="{27ED6732-6F8F-5AFA-AF64-6D088C0F8B0A}" dt="2025-09-11T07:35:43.059" v="2" actId="1036"/>
+          <ac:picMkLst>
+            <pc:docMk/>
+            <pc:sldMk cId="616705893" sldId="5185"/>
+            <ac:picMk id="5" creationId="{2D41F029-D342-23BF-B96B-D7137370A5EE}"/>
+          </ac:picMkLst>
+        </pc:picChg>
+      </pc:sldChg>
+    </pc:docChg>
+  </pc:docChgLst>
   <pc:docChgLst>
     <pc:chgData name="健 翁" userId="bedff36119963aae" providerId="LiveId" clId="{B988CD94-6A36-0C46-B7AD-D7691F6E276F}"/>
     <pc:docChg chg="undo custSel addSld delSld modSld sldOrd modMainMaster">
@@ -1013,60 +1067,6 @@
           <pc:docMk/>
           <pc:sldMk cId="3790440056" sldId="5192"/>
         </pc:sldMkLst>
-      </pc:sldChg>
-    </pc:docChg>
-  </pc:docChgLst>
-  <pc:docChgLst>
-    <pc:chgData name="健 翁" userId="bedff36119963aae" providerId="LiveId" clId="{27ED6732-6F8F-5AFA-AF64-6D088C0F8B0A}"/>
-    <pc:docChg chg="modSld">
-      <pc:chgData name="健 翁" userId="bedff36119963aae" providerId="LiveId" clId="{27ED6732-6F8F-5AFA-AF64-6D088C0F8B0A}" dt="2025-09-11T07:35:43.059" v="2" actId="1036"/>
-      <pc:docMkLst>
-        <pc:docMk/>
-      </pc:docMkLst>
-      <pc:sldChg chg="modSp mod">
-        <pc:chgData name="健 翁" userId="bedff36119963aae" providerId="LiveId" clId="{27ED6732-6F8F-5AFA-AF64-6D088C0F8B0A}" dt="2025-09-03T07:12:15.879" v="0" actId="14100"/>
-        <pc:sldMkLst>
-          <pc:docMk/>
-          <pc:sldMk cId="2212940397" sldId="5128"/>
-        </pc:sldMkLst>
-        <pc:spChg chg="mod">
-          <ac:chgData name="健 翁" userId="bedff36119963aae" providerId="LiveId" clId="{27ED6732-6F8F-5AFA-AF64-6D088C0F8B0A}" dt="2025-09-03T07:12:15.879" v="0" actId="14100"/>
-          <ac:spMkLst>
-            <pc:docMk/>
-            <pc:sldMk cId="2212940397" sldId="5128"/>
-            <ac:spMk id="3" creationId="{1965A4F5-9ADB-050A-19BE-A4E917CEEF77}"/>
-          </ac:spMkLst>
-        </pc:spChg>
-      </pc:sldChg>
-      <pc:sldChg chg="modSp mod">
-        <pc:chgData name="健 翁" userId="bedff36119963aae" providerId="LiveId" clId="{27ED6732-6F8F-5AFA-AF64-6D088C0F8B0A}" dt="2025-09-11T07:29:16.569" v="1" actId="1076"/>
-        <pc:sldMkLst>
-          <pc:docMk/>
-          <pc:sldMk cId="2021351070" sldId="5178"/>
-        </pc:sldMkLst>
-        <pc:spChg chg="mod">
-          <ac:chgData name="健 翁" userId="bedff36119963aae" providerId="LiveId" clId="{27ED6732-6F8F-5AFA-AF64-6D088C0F8B0A}" dt="2025-09-11T07:29:16.569" v="1" actId="1076"/>
-          <ac:spMkLst>
-            <pc:docMk/>
-            <pc:sldMk cId="2021351070" sldId="5178"/>
-            <ac:spMk id="5" creationId="{E3BCBDA8-ADE7-D913-9DE0-7DC94CCAFBC0}"/>
-          </ac:spMkLst>
-        </pc:spChg>
-      </pc:sldChg>
-      <pc:sldChg chg="modSp mod">
-        <pc:chgData name="健 翁" userId="bedff36119963aae" providerId="LiveId" clId="{27ED6732-6F8F-5AFA-AF64-6D088C0F8B0A}" dt="2025-09-11T07:35:43.059" v="2" actId="1036"/>
-        <pc:sldMkLst>
-          <pc:docMk/>
-          <pc:sldMk cId="616705893" sldId="5185"/>
-        </pc:sldMkLst>
-        <pc:picChg chg="mod">
-          <ac:chgData name="健 翁" userId="bedff36119963aae" providerId="LiveId" clId="{27ED6732-6F8F-5AFA-AF64-6D088C0F8B0A}" dt="2025-09-11T07:35:43.059" v="2" actId="1036"/>
-          <ac:picMkLst>
-            <pc:docMk/>
-            <pc:sldMk cId="616705893" sldId="5185"/>
-            <ac:picMk id="5" creationId="{2D41F029-D342-23BF-B96B-D7137370A5EE}"/>
-          </ac:picMkLst>
-        </pc:picChg>
       </pc:sldChg>
     </pc:docChg>
   </pc:docChgLst>
@@ -3355,7 +3355,7 @@
           <a:p>
             <a:fld id="{E0D63A10-EFB1-4E48-8E43-FD1864D4405F}" type="datetimeFigureOut">
               <a:rPr lang="en-CN" smtClean="0"/>
-              <a:t>2025/9/11</a:t>
+              <a:t>2025/9/27</a:t>
             </a:fld>
             <a:endParaRPr lang="en-CN"/>
           </a:p>
@@ -4450,7 +4450,7 @@
           <a:p>
             <a:fld id="{00C2776A-39F0-3F43-A9FD-45BB756F84FB}" type="datetime1">
               <a:rPr lang="en-US" smtClean="0"/>
-              <a:t>9/11/25</a:t>
+              <a:t>9/27/25</a:t>
             </a:fld>
             <a:endParaRPr lang="en-CN"/>
           </a:p>
@@ -4664,7 +4664,7 @@
           <a:p>
             <a:fld id="{323D413A-9DE1-1344-B36C-EC03C1B6A71B}" type="datetime1">
               <a:rPr lang="en-US" smtClean="0"/>
-              <a:t>9/11/25</a:t>
+              <a:t>9/27/25</a:t>
             </a:fld>
             <a:endParaRPr lang="en-CN"/>
           </a:p>
@@ -4874,7 +4874,7 @@
           <a:p>
             <a:fld id="{FB031789-C887-9046-B9DC-348486F56D60}" type="datetime1">
               <a:rPr lang="en-US" smtClean="0"/>
-              <a:t>9/11/25</a:t>
+              <a:t>9/27/25</a:t>
             </a:fld>
             <a:endParaRPr lang="en-CN"/>
           </a:p>
@@ -5074,7 +5074,7 @@
           <a:p>
             <a:fld id="{E11667E3-37CF-5C4E-BA18-C8FD9C13BECA}" type="datetime1">
               <a:rPr lang="en-US" smtClean="0"/>
-              <a:t>9/11/25</a:t>
+              <a:t>9/27/25</a:t>
             </a:fld>
             <a:endParaRPr lang="en-CN"/>
           </a:p>
@@ -5364,7 +5364,7 @@
           <a:p>
             <a:fld id="{855FD7D8-1E4E-D643-B214-80A160D00FBB}" type="datetime1">
               <a:rPr lang="en-US" smtClean="0"/>
-              <a:t>9/11/25</a:t>
+              <a:t>9/27/25</a:t>
             </a:fld>
             <a:endParaRPr lang="en-CN"/>
           </a:p>
@@ -5632,7 +5632,7 @@
           <a:p>
             <a:fld id="{5687BC64-FACD-164F-B6C3-2A8B5EA7E7F6}" type="datetime1">
               <a:rPr lang="en-US" smtClean="0"/>
-              <a:t>9/11/25</a:t>
+              <a:t>9/27/25</a:t>
             </a:fld>
             <a:endParaRPr lang="en-CN"/>
           </a:p>
@@ -6047,7 +6047,7 @@
           <a:p>
             <a:fld id="{05D0072F-D87B-434E-B3E7-7732796AAE8D}" type="datetime1">
               <a:rPr lang="en-US" smtClean="0"/>
-              <a:t>9/11/25</a:t>
+              <a:t>9/27/25</a:t>
             </a:fld>
             <a:endParaRPr lang="en-CN"/>
           </a:p>
@@ -6189,7 +6189,7 @@
           <a:p>
             <a:fld id="{26581AFE-3C25-794E-88F9-52044E03DD03}" type="datetime1">
               <a:rPr lang="en-US" smtClean="0"/>
-              <a:t>9/11/25</a:t>
+              <a:t>9/27/25</a:t>
             </a:fld>
             <a:endParaRPr lang="en-CN"/>
           </a:p>
@@ -6302,7 +6302,7 @@
           <a:p>
             <a:fld id="{E4038F47-E0F3-BE4B-AB36-A5DD9A6D8280}" type="datetime1">
               <a:rPr lang="en-US" smtClean="0"/>
-              <a:t>9/11/25</a:t>
+              <a:t>9/27/25</a:t>
             </a:fld>
             <a:endParaRPr lang="en-CN"/>
           </a:p>
@@ -6615,7 +6615,7 @@
           <a:p>
             <a:fld id="{500D495D-2ECB-8642-9037-A17DB84A4807}" type="datetime1">
               <a:rPr lang="en-US" smtClean="0"/>
-              <a:t>9/11/25</a:t>
+              <a:t>9/27/25</a:t>
             </a:fld>
             <a:endParaRPr lang="en-CN"/>
           </a:p>
@@ -6904,7 +6904,7 @@
           <a:p>
             <a:fld id="{C7D1EED4-E651-C740-8D67-28864251474D}" type="datetime1">
               <a:rPr lang="en-US" smtClean="0"/>
-              <a:t>9/11/25</a:t>
+              <a:t>9/27/25</a:t>
             </a:fld>
             <a:endParaRPr lang="en-CN"/>
           </a:p>
@@ -7147,7 +7147,7 @@
           <a:p>
             <a:fld id="{83495D33-10BF-174C-ABC8-B15BDAEAB7D7}" type="datetime1">
               <a:rPr lang="en-US" smtClean="0"/>
-              <a:t>9/11/25</a:t>
+              <a:t>9/27/25</a:t>
             </a:fld>
             <a:endParaRPr lang="en-CN"/>
           </a:p>
@@ -7842,7 +7842,7 @@
         </p:nvSpPr>
         <p:spPr>
           <a:xfrm>
-            <a:off x="5157664" y="5406340"/>
+            <a:off x="5157665" y="5281636"/>
             <a:ext cx="6756818" cy="1558109"/>
           </a:xfrm>
         </p:spPr>
@@ -7930,10 +7930,16 @@
           <p:cNvGraphicFramePr>
             <a:graphicFrameLocks/>
           </p:cNvGraphicFramePr>
-          <p:nvPr/>
+          <p:nvPr>
+            <p:extLst>
+              <p:ext uri="{D42A27DB-BD31-4B8C-83A1-F6EECF244321}">
+                <p14:modId xmlns:p14="http://schemas.microsoft.com/office/powerpoint/2010/main" val="3714694638"/>
+              </p:ext>
+            </p:extLst>
+          </p:nvPr>
         </p:nvGraphicFramePr>
         <p:xfrm>
-          <a:off x="4936517" y="672605"/>
+          <a:off x="4992887" y="247303"/>
           <a:ext cx="7199113" cy="4724342"/>
         </p:xfrm>
         <a:graphic>
